--- a/CapstoneProject/Fat Joe’s nightmare.pptx
+++ b/CapstoneProject/Fat Joe’s nightmare.pptx
@@ -5,30 +5,34 @@
     <p:sldMasterId id="2147483678" r:id="rId1"/>
   </p:sldMasterIdLst>
   <p:notesMasterIdLst>
-    <p:notesMasterId r:id="rId23"/>
+    <p:notesMasterId r:id="rId27"/>
   </p:notesMasterIdLst>
   <p:sldIdLst>
     <p:sldId id="256" r:id="rId2"/>
     <p:sldId id="257" r:id="rId3"/>
     <p:sldId id="276" r:id="rId4"/>
     <p:sldId id="258" r:id="rId5"/>
-    <p:sldId id="259" r:id="rId6"/>
-    <p:sldId id="260" r:id="rId7"/>
-    <p:sldId id="261" r:id="rId8"/>
-    <p:sldId id="262" r:id="rId9"/>
-    <p:sldId id="263" r:id="rId10"/>
-    <p:sldId id="264" r:id="rId11"/>
-    <p:sldId id="265" r:id="rId12"/>
-    <p:sldId id="266" r:id="rId13"/>
-    <p:sldId id="267" r:id="rId14"/>
-    <p:sldId id="268" r:id="rId15"/>
-    <p:sldId id="269" r:id="rId16"/>
-    <p:sldId id="270" r:id="rId17"/>
-    <p:sldId id="271" r:id="rId18"/>
-    <p:sldId id="272" r:id="rId19"/>
-    <p:sldId id="273" r:id="rId20"/>
-    <p:sldId id="274" r:id="rId21"/>
-    <p:sldId id="275" r:id="rId22"/>
+    <p:sldId id="277" r:id="rId6"/>
+    <p:sldId id="259" r:id="rId7"/>
+    <p:sldId id="260" r:id="rId8"/>
+    <p:sldId id="261" r:id="rId9"/>
+    <p:sldId id="262" r:id="rId10"/>
+    <p:sldId id="263" r:id="rId11"/>
+    <p:sldId id="264" r:id="rId12"/>
+    <p:sldId id="265" r:id="rId13"/>
+    <p:sldId id="266" r:id="rId14"/>
+    <p:sldId id="267" r:id="rId15"/>
+    <p:sldId id="268" r:id="rId16"/>
+    <p:sldId id="269" r:id="rId17"/>
+    <p:sldId id="270" r:id="rId18"/>
+    <p:sldId id="271" r:id="rId19"/>
+    <p:sldId id="272" r:id="rId20"/>
+    <p:sldId id="273" r:id="rId21"/>
+    <p:sldId id="274" r:id="rId22"/>
+    <p:sldId id="278" r:id="rId23"/>
+    <p:sldId id="279" r:id="rId24"/>
+    <p:sldId id="280" r:id="rId25"/>
+    <p:sldId id="275" r:id="rId26"/>
   </p:sldIdLst>
   <p:sldSz cx="12192000" cy="6858000"/>
   <p:notesSz cx="6858000" cy="9144000"/>
@@ -526,7 +530,7 @@
           <a:p>
             <a:r>
               <a:rPr lang="en-US" dirty="0" smtClean="0"/>
-              <a:t>Tim</a:t>
+              <a:t>Jonathan</a:t>
             </a:r>
             <a:endParaRPr lang="en-US" dirty="0"/>
           </a:p>
@@ -558,7 +562,7 @@
     </p:spTree>
     <p:extLst>
       <p:ext uri="{BB962C8B-B14F-4D97-AF65-F5344CB8AC3E}">
-        <p14:creationId xmlns:p14="http://schemas.microsoft.com/office/powerpoint/2010/main" val="3519855447"/>
+        <p14:creationId xmlns:p14="http://schemas.microsoft.com/office/powerpoint/2010/main" val="2556225102"/>
       </p:ext>
     </p:extLst>
   </p:cSld>
@@ -614,7 +618,7 @@
           <a:p>
             <a:r>
               <a:rPr lang="en-US" dirty="0" smtClean="0"/>
-              <a:t>Mathias</a:t>
+              <a:t>Tim</a:t>
             </a:r>
             <a:endParaRPr lang="en-US" dirty="0"/>
           </a:p>
@@ -637,7 +641,95 @@
           <a:p>
             <a:fld id="{BC722973-EF67-4E60-A9F5-43275F9339C9}" type="slidenum">
               <a:rPr lang="en-US" smtClean="0"/>
-              <a:t>9</a:t>
+              <a:t>6</a:t>
+            </a:fld>
+            <a:endParaRPr lang="en-US"/>
+          </a:p>
+        </p:txBody>
+      </p:sp>
+    </p:spTree>
+    <p:extLst>
+      <p:ext uri="{BB962C8B-B14F-4D97-AF65-F5344CB8AC3E}">
+        <p14:creationId xmlns:p14="http://schemas.microsoft.com/office/powerpoint/2010/main" val="3519855447"/>
+      </p:ext>
+    </p:extLst>
+  </p:cSld>
+  <p:clrMapOvr>
+    <a:masterClrMapping/>
+  </p:clrMapOvr>
+</p:notes>
+</file>
+
+<file path=ppt/notesSlides/notesSlide3.xml><?xml version="1.0" encoding="utf-8"?>
+<p:notes xmlns:a="http://schemas.openxmlformats.org/drawingml/2006/main" xmlns:r="http://schemas.openxmlformats.org/officeDocument/2006/relationships" xmlns:p="http://schemas.openxmlformats.org/presentationml/2006/main">
+  <p:cSld>
+    <p:spTree>
+      <p:nvGrpSpPr>
+        <p:cNvPr id="1" name=""/>
+        <p:cNvGrpSpPr/>
+        <p:nvPr/>
+      </p:nvGrpSpPr>
+      <p:grpSpPr>
+        <a:xfrm>
+          <a:off x="0" y="0"/>
+          <a:ext cx="0" cy="0"/>
+          <a:chOff x="0" y="0"/>
+          <a:chExt cx="0" cy="0"/>
+        </a:xfrm>
+      </p:grpSpPr>
+      <p:sp>
+        <p:nvSpPr>
+          <p:cNvPr id="2" name="Slide Image Placeholder 1"/>
+          <p:cNvSpPr>
+            <a:spLocks noGrp="1" noRot="1" noChangeAspect="1"/>
+          </p:cNvSpPr>
+          <p:nvPr>
+            <p:ph type="sldImg"/>
+          </p:nvPr>
+        </p:nvSpPr>
+        <p:spPr/>
+      </p:sp>
+      <p:sp>
+        <p:nvSpPr>
+          <p:cNvPr id="3" name="Notes Placeholder 2"/>
+          <p:cNvSpPr>
+            <a:spLocks noGrp="1"/>
+          </p:cNvSpPr>
+          <p:nvPr>
+            <p:ph type="body" idx="1"/>
+          </p:nvPr>
+        </p:nvSpPr>
+        <p:spPr/>
+        <p:txBody>
+          <a:bodyPr/>
+          <a:lstStyle/>
+          <a:p>
+            <a:r>
+              <a:rPr lang="en-US" dirty="0" smtClean="0"/>
+              <a:t>Mathias</a:t>
+            </a:r>
+            <a:endParaRPr lang="en-US" dirty="0"/>
+          </a:p>
+        </p:txBody>
+      </p:sp>
+      <p:sp>
+        <p:nvSpPr>
+          <p:cNvPr id="4" name="Slide Number Placeholder 3"/>
+          <p:cNvSpPr>
+            <a:spLocks noGrp="1"/>
+          </p:cNvSpPr>
+          <p:nvPr>
+            <p:ph type="sldNum" sz="quarter" idx="10"/>
+          </p:nvPr>
+        </p:nvSpPr>
+        <p:spPr/>
+        <p:txBody>
+          <a:bodyPr/>
+          <a:lstStyle/>
+          <a:p>
+            <a:fld id="{BC722973-EF67-4E60-A9F5-43275F9339C9}" type="slidenum">
+              <a:rPr lang="en-US" smtClean="0"/>
+              <a:t>10</a:t>
             </a:fld>
             <a:endParaRPr lang="en-US"/>
           </a:p>
@@ -9075,7 +9167,7 @@
           <a:p>
             <a:r>
               <a:rPr lang="en-US" dirty="0" smtClean="0"/>
-              <a:t>Player Physics</a:t>
+              <a:t>Physics Overview</a:t>
             </a:r>
             <a:endParaRPr lang="en-US" dirty="0"/>
           </a:p>
@@ -9098,53 +9190,26 @@
           <a:p>
             <a:r>
               <a:rPr lang="en-US" dirty="0" smtClean="0"/>
-              <a:t>Movement</a:t>
-            </a:r>
-          </a:p>
-          <a:p>
-            <a:pPr lvl="1"/>
-            <a:r>
-              <a:rPr lang="en-US" dirty="0" smtClean="0"/>
-              <a:t>Jumping</a:t>
-            </a:r>
-          </a:p>
-          <a:p>
-            <a:pPr lvl="1"/>
-            <a:r>
-              <a:rPr lang="en-US" dirty="0" smtClean="0"/>
-              <a:t>Falling</a:t>
-            </a:r>
-          </a:p>
-          <a:p>
-            <a:r>
-              <a:rPr lang="en-US" dirty="0" smtClean="0"/>
-              <a:t>Collisions</a:t>
-            </a:r>
-          </a:p>
-          <a:p>
-            <a:pPr lvl="1"/>
-            <a:r>
-              <a:rPr lang="en-US" dirty="0" smtClean="0"/>
-              <a:t>Attacking</a:t>
-            </a:r>
-          </a:p>
-          <a:p>
-            <a:pPr lvl="1"/>
-            <a:r>
-              <a:rPr lang="en-US" dirty="0" smtClean="0"/>
-              <a:t>Being attacked</a:t>
-            </a:r>
-          </a:p>
-          <a:p>
-            <a:pPr marL="457200" lvl="1" indent="0">
-              <a:buNone/>
-            </a:pPr>
-            <a:r>
-              <a:rPr lang="en-US" dirty="0" smtClean="0"/>
-              <a:t> </a:t>
-            </a:r>
-          </a:p>
-          <a:p>
+              <a:t>Player Physics</a:t>
+            </a:r>
+          </a:p>
+          <a:p>
+            <a:r>
+              <a:rPr lang="en-US" dirty="0" smtClean="0"/>
+              <a:t>Platform Physics</a:t>
+            </a:r>
+          </a:p>
+          <a:p>
+            <a:r>
+              <a:rPr lang="en-US" dirty="0" smtClean="0"/>
+              <a:t>NPC Physics</a:t>
+            </a:r>
+          </a:p>
+          <a:p>
+            <a:r>
+              <a:rPr lang="en-US" dirty="0" smtClean="0"/>
+              <a:t>Object Physics</a:t>
+            </a:r>
             <a:endParaRPr lang="en-US" dirty="0"/>
           </a:p>
         </p:txBody>
@@ -9152,7 +9217,7 @@
     </p:spTree>
     <p:extLst>
       <p:ext uri="{BB962C8B-B14F-4D97-AF65-F5344CB8AC3E}">
-        <p14:creationId xmlns:p14="http://schemas.microsoft.com/office/powerpoint/2010/main" val="2059038762"/>
+        <p14:creationId xmlns:p14="http://schemas.microsoft.com/office/powerpoint/2010/main" val="4128624035"/>
       </p:ext>
     </p:extLst>
   </p:cSld>
@@ -9196,7 +9261,7 @@
           <a:p>
             <a:r>
               <a:rPr lang="en-US" dirty="0" smtClean="0"/>
-              <a:t>Platform Physics</a:t>
+              <a:t>Player Physics</a:t>
             </a:r>
             <a:endParaRPr lang="en-US" dirty="0"/>
           </a:p>
@@ -9219,14 +9284,53 @@
           <a:p>
             <a:r>
               <a:rPr lang="en-US" dirty="0" smtClean="0"/>
-              <a:t>Constrains movement</a:t>
-            </a:r>
-          </a:p>
-          <a:p>
-            <a:r>
-              <a:rPr lang="en-US" dirty="0" smtClean="0"/>
-              <a:t>Defines Environment</a:t>
-            </a:r>
+              <a:t>Movement</a:t>
+            </a:r>
+          </a:p>
+          <a:p>
+            <a:pPr lvl="1"/>
+            <a:r>
+              <a:rPr lang="en-US" dirty="0" smtClean="0"/>
+              <a:t>Jumping</a:t>
+            </a:r>
+          </a:p>
+          <a:p>
+            <a:pPr lvl="1"/>
+            <a:r>
+              <a:rPr lang="en-US" dirty="0" smtClean="0"/>
+              <a:t>Falling</a:t>
+            </a:r>
+          </a:p>
+          <a:p>
+            <a:r>
+              <a:rPr lang="en-US" dirty="0" smtClean="0"/>
+              <a:t>Collisions</a:t>
+            </a:r>
+          </a:p>
+          <a:p>
+            <a:pPr lvl="1"/>
+            <a:r>
+              <a:rPr lang="en-US" dirty="0" smtClean="0"/>
+              <a:t>Attacking</a:t>
+            </a:r>
+          </a:p>
+          <a:p>
+            <a:pPr lvl="1"/>
+            <a:r>
+              <a:rPr lang="en-US" dirty="0" smtClean="0"/>
+              <a:t>Being attacked</a:t>
+            </a:r>
+          </a:p>
+          <a:p>
+            <a:pPr marL="457200" lvl="1" indent="0">
+              <a:buNone/>
+            </a:pPr>
+            <a:r>
+              <a:rPr lang="en-US" dirty="0" smtClean="0"/>
+              <a:t> </a:t>
+            </a:r>
+          </a:p>
+          <a:p>
             <a:endParaRPr lang="en-US" dirty="0"/>
           </a:p>
         </p:txBody>
@@ -9234,7 +9338,7 @@
     </p:spTree>
     <p:extLst>
       <p:ext uri="{BB962C8B-B14F-4D97-AF65-F5344CB8AC3E}">
-        <p14:creationId xmlns:p14="http://schemas.microsoft.com/office/powerpoint/2010/main" val="3834989599"/>
+        <p14:creationId xmlns:p14="http://schemas.microsoft.com/office/powerpoint/2010/main" val="2059038762"/>
       </p:ext>
     </p:extLst>
   </p:cSld>
@@ -9278,7 +9382,7 @@
           <a:p>
             <a:r>
               <a:rPr lang="en-US" dirty="0" smtClean="0"/>
-              <a:t>NPC Physics</a:t>
+              <a:t>Platform Physics</a:t>
             </a:r>
             <a:endParaRPr lang="en-US" dirty="0"/>
           </a:p>
@@ -9301,21 +9405,13 @@
           <a:p>
             <a:r>
               <a:rPr lang="en-US" dirty="0" smtClean="0"/>
-              <a:t>Ai handling</a:t>
-            </a:r>
-          </a:p>
-          <a:p>
-            <a:pPr lvl="1"/>
-            <a:r>
-              <a:rPr lang="en-US" dirty="0" smtClean="0"/>
-              <a:t>Collisions</a:t>
-            </a:r>
-          </a:p>
-          <a:p>
-            <a:pPr lvl="1"/>
-            <a:r>
-              <a:rPr lang="en-US" dirty="0" smtClean="0"/>
-              <a:t>movement</a:t>
+              <a:t>Constrains movement</a:t>
+            </a:r>
+          </a:p>
+          <a:p>
+            <a:r>
+              <a:rPr lang="en-US" dirty="0" smtClean="0"/>
+              <a:t>Defines Environment</a:t>
             </a:r>
             <a:endParaRPr lang="en-US" dirty="0"/>
           </a:p>
@@ -9324,7 +9420,7 @@
     </p:spTree>
     <p:extLst>
       <p:ext uri="{BB962C8B-B14F-4D97-AF65-F5344CB8AC3E}">
-        <p14:creationId xmlns:p14="http://schemas.microsoft.com/office/powerpoint/2010/main" val="532978149"/>
+        <p14:creationId xmlns:p14="http://schemas.microsoft.com/office/powerpoint/2010/main" val="3834989599"/>
       </p:ext>
     </p:extLst>
   </p:cSld>
@@ -9368,7 +9464,7 @@
           <a:p>
             <a:r>
               <a:rPr lang="en-US" dirty="0" smtClean="0"/>
-              <a:t>Object Physics</a:t>
+              <a:t>NPC Physics</a:t>
             </a:r>
             <a:endParaRPr lang="en-US" dirty="0"/>
           </a:p>
@@ -9391,7 +9487,21 @@
           <a:p>
             <a:r>
               <a:rPr lang="en-US" dirty="0" smtClean="0"/>
-              <a:t>Make sure objects appear and can be interacted with</a:t>
+              <a:t>Ai handling</a:t>
+            </a:r>
+          </a:p>
+          <a:p>
+            <a:pPr lvl="1"/>
+            <a:r>
+              <a:rPr lang="en-US" dirty="0" smtClean="0"/>
+              <a:t>Collisions</a:t>
+            </a:r>
+          </a:p>
+          <a:p>
+            <a:pPr lvl="1"/>
+            <a:r>
+              <a:rPr lang="en-US" dirty="0" smtClean="0"/>
+              <a:t>movement</a:t>
             </a:r>
             <a:endParaRPr lang="en-US" dirty="0"/>
           </a:p>
@@ -9400,7 +9510,7 @@
     </p:spTree>
     <p:extLst>
       <p:ext uri="{BB962C8B-B14F-4D97-AF65-F5344CB8AC3E}">
-        <p14:creationId xmlns:p14="http://schemas.microsoft.com/office/powerpoint/2010/main" val="3118626359"/>
+        <p14:creationId xmlns:p14="http://schemas.microsoft.com/office/powerpoint/2010/main" val="532978149"/>
       </p:ext>
     </p:extLst>
   </p:cSld>
@@ -9444,7 +9554,7 @@
           <a:p>
             <a:r>
               <a:rPr lang="en-US" dirty="0" smtClean="0"/>
-              <a:t>Art Overview</a:t>
+              <a:t>Object Physics</a:t>
             </a:r>
             <a:endParaRPr lang="en-US" dirty="0"/>
           </a:p>
@@ -9467,23 +9577,8 @@
           <a:p>
             <a:r>
               <a:rPr lang="en-US" dirty="0" smtClean="0"/>
-              <a:t>General Graphical Design</a:t>
-            </a:r>
-          </a:p>
-          <a:p>
-            <a:pPr lvl="1"/>
-            <a:r>
-              <a:rPr lang="en-US" dirty="0" smtClean="0"/>
-              <a:t>Concept Art</a:t>
-            </a:r>
-          </a:p>
-          <a:p>
-            <a:r>
-              <a:rPr lang="en-US" dirty="0" smtClean="0"/>
-              <a:t>Tile specifics</a:t>
-            </a:r>
-          </a:p>
-          <a:p>
+              <a:t>Make sure objects appear and can be interacted with</a:t>
+            </a:r>
             <a:endParaRPr lang="en-US" dirty="0"/>
           </a:p>
         </p:txBody>
@@ -9491,7 +9586,7 @@
     </p:spTree>
     <p:extLst>
       <p:ext uri="{BB962C8B-B14F-4D97-AF65-F5344CB8AC3E}">
-        <p14:creationId xmlns:p14="http://schemas.microsoft.com/office/powerpoint/2010/main" val="355631642"/>
+        <p14:creationId xmlns:p14="http://schemas.microsoft.com/office/powerpoint/2010/main" val="3118626359"/>
       </p:ext>
     </p:extLst>
   </p:cSld>
@@ -9535,7 +9630,7 @@
           <a:p>
             <a:r>
               <a:rPr lang="en-US" dirty="0" smtClean="0"/>
-              <a:t>Tiles</a:t>
+              <a:t>Art Overview</a:t>
             </a:r>
             <a:endParaRPr lang="en-US" dirty="0"/>
           </a:p>
@@ -9558,32 +9653,23 @@
           <a:p>
             <a:r>
               <a:rPr lang="en-US" dirty="0" smtClean="0"/>
-              <a:t>Background</a:t>
-            </a:r>
-          </a:p>
-          <a:p>
-            <a:r>
-              <a:rPr lang="en-US" dirty="0" smtClean="0"/>
-              <a:t>Ground</a:t>
-            </a:r>
-          </a:p>
-          <a:p>
-            <a:r>
-              <a:rPr lang="en-US" dirty="0" smtClean="0"/>
-              <a:t>Mask</a:t>
-            </a:r>
-          </a:p>
-          <a:p>
-            <a:r>
-              <a:rPr lang="en-US" dirty="0" smtClean="0"/>
-              <a:t>Character</a:t>
-            </a:r>
-          </a:p>
-          <a:p>
-            <a:r>
-              <a:rPr lang="en-US" dirty="0" smtClean="0"/>
-              <a:t>Fringe</a:t>
-            </a:r>
+              <a:t>General Graphical Design</a:t>
+            </a:r>
+          </a:p>
+          <a:p>
+            <a:pPr lvl="1"/>
+            <a:r>
+              <a:rPr lang="en-US" dirty="0" smtClean="0"/>
+              <a:t>Concept Art</a:t>
+            </a:r>
+          </a:p>
+          <a:p>
+            <a:r>
+              <a:rPr lang="en-US" dirty="0" smtClean="0"/>
+              <a:t>Tile specifics</a:t>
+            </a:r>
+          </a:p>
+          <a:p>
             <a:endParaRPr lang="en-US" dirty="0"/>
           </a:p>
         </p:txBody>
@@ -9591,7 +9677,7 @@
     </p:spTree>
     <p:extLst>
       <p:ext uri="{BB962C8B-B14F-4D97-AF65-F5344CB8AC3E}">
-        <p14:creationId xmlns:p14="http://schemas.microsoft.com/office/powerpoint/2010/main" val="4055794688"/>
+        <p14:creationId xmlns:p14="http://schemas.microsoft.com/office/powerpoint/2010/main" val="355631642"/>
       </p:ext>
     </p:extLst>
   </p:cSld>
@@ -9635,7 +9721,7 @@
           <a:p>
             <a:r>
               <a:rPr lang="en-US" dirty="0" smtClean="0"/>
-              <a:t>Examples</a:t>
+              <a:t>Tiles</a:t>
             </a:r>
             <a:endParaRPr lang="en-US" dirty="0"/>
           </a:p>
@@ -9656,14 +9742,42 @@
           <a:bodyPr/>
           <a:lstStyle/>
           <a:p>
-            <a:endParaRPr lang="en-US"/>
+            <a:r>
+              <a:rPr lang="en-US" dirty="0" smtClean="0"/>
+              <a:t>Background</a:t>
+            </a:r>
+          </a:p>
+          <a:p>
+            <a:r>
+              <a:rPr lang="en-US" dirty="0" smtClean="0"/>
+              <a:t>Ground</a:t>
+            </a:r>
+          </a:p>
+          <a:p>
+            <a:r>
+              <a:rPr lang="en-US" dirty="0" smtClean="0"/>
+              <a:t>Mask</a:t>
+            </a:r>
+          </a:p>
+          <a:p>
+            <a:r>
+              <a:rPr lang="en-US" dirty="0" smtClean="0"/>
+              <a:t>Character</a:t>
+            </a:r>
+          </a:p>
+          <a:p>
+            <a:r>
+              <a:rPr lang="en-US" dirty="0" smtClean="0"/>
+              <a:t>Fringe</a:t>
+            </a:r>
+            <a:endParaRPr lang="en-US" dirty="0"/>
           </a:p>
         </p:txBody>
       </p:sp>
     </p:spTree>
     <p:extLst>
       <p:ext uri="{BB962C8B-B14F-4D97-AF65-F5344CB8AC3E}">
-        <p14:creationId xmlns:p14="http://schemas.microsoft.com/office/powerpoint/2010/main" val="3984917597"/>
+        <p14:creationId xmlns:p14="http://schemas.microsoft.com/office/powerpoint/2010/main" val="4055794688"/>
       </p:ext>
     </p:extLst>
   </p:cSld>
@@ -9707,7 +9821,7 @@
           <a:p>
             <a:r>
               <a:rPr lang="en-US" dirty="0" smtClean="0"/>
-              <a:t>Animation</a:t>
+              <a:t>Examples</a:t>
             </a:r>
             <a:endParaRPr lang="en-US" dirty="0"/>
           </a:p>
@@ -9728,26 +9842,14 @@
           <a:bodyPr/>
           <a:lstStyle/>
           <a:p>
-            <a:r>
-              <a:rPr lang="en-US" dirty="0" smtClean="0"/>
-              <a:t>What is it?</a:t>
-            </a:r>
-          </a:p>
-          <a:p>
-            <a:r>
-              <a:rPr lang="en-US" dirty="0" smtClean="0"/>
-              <a:t>How it Works</a:t>
-            </a:r>
-          </a:p>
-          <a:p>
-            <a:endParaRPr lang="en-US" dirty="0"/>
+            <a:endParaRPr lang="en-US"/>
           </a:p>
         </p:txBody>
       </p:sp>
     </p:spTree>
     <p:extLst>
       <p:ext uri="{BB962C8B-B14F-4D97-AF65-F5344CB8AC3E}">
-        <p14:creationId xmlns:p14="http://schemas.microsoft.com/office/powerpoint/2010/main" val="3805453275"/>
+        <p14:creationId xmlns:p14="http://schemas.microsoft.com/office/powerpoint/2010/main" val="3984917597"/>
       </p:ext>
     </p:extLst>
   </p:cSld>
@@ -9791,7 +9893,7 @@
           <a:p>
             <a:r>
               <a:rPr lang="en-US" dirty="0" smtClean="0"/>
-              <a:t>Roleplaying Elements</a:t>
+              <a:t>Animation</a:t>
             </a:r>
             <a:endParaRPr lang="en-US" dirty="0"/>
           </a:p>
@@ -9814,46 +9916,16 @@
           <a:p>
             <a:r>
               <a:rPr lang="en-US" dirty="0" smtClean="0"/>
-              <a:t>What is a roleplaying element?</a:t>
-            </a:r>
-          </a:p>
-          <a:p>
-            <a:r>
-              <a:rPr lang="en-US" dirty="0" smtClean="0"/>
-              <a:t>Stats</a:t>
-            </a:r>
-          </a:p>
-          <a:p>
-            <a:pPr lvl="1"/>
-            <a:r>
-              <a:rPr lang="en-US" dirty="0" smtClean="0"/>
-              <a:t>Player Health</a:t>
-            </a:r>
-          </a:p>
-          <a:p>
-            <a:pPr lvl="1"/>
-            <a:r>
-              <a:rPr lang="en-US" dirty="0" smtClean="0"/>
-              <a:t>Score</a:t>
-            </a:r>
-          </a:p>
-          <a:p>
-            <a:r>
-              <a:rPr lang="en-US" dirty="0" smtClean="0"/>
-              <a:t>Items</a:t>
-            </a:r>
-          </a:p>
-          <a:p>
-            <a:r>
-              <a:rPr lang="en-US" dirty="0" smtClean="0"/>
-              <a:t>NPC</a:t>
-            </a:r>
-          </a:p>
-          <a:p>
-            <a:r>
-              <a:rPr lang="en-US" dirty="0" smtClean="0"/>
-              <a:t>Balancing and Testing</a:t>
-            </a:r>
+              <a:t>What is it?</a:t>
+            </a:r>
+          </a:p>
+          <a:p>
+            <a:r>
+              <a:rPr lang="en-US" dirty="0" smtClean="0"/>
+              <a:t>How it Works</a:t>
+            </a:r>
+          </a:p>
+          <a:p>
             <a:endParaRPr lang="en-US" dirty="0"/>
           </a:p>
         </p:txBody>
@@ -9861,7 +9933,7 @@
     </p:spTree>
     <p:extLst>
       <p:ext uri="{BB962C8B-B14F-4D97-AF65-F5344CB8AC3E}">
-        <p14:creationId xmlns:p14="http://schemas.microsoft.com/office/powerpoint/2010/main" val="3651004507"/>
+        <p14:creationId xmlns:p14="http://schemas.microsoft.com/office/powerpoint/2010/main" val="3805453275"/>
       </p:ext>
     </p:extLst>
   </p:cSld>
@@ -9905,7 +9977,7 @@
           <a:p>
             <a:r>
               <a:rPr lang="en-US" dirty="0" smtClean="0"/>
-              <a:t>Interface</a:t>
+              <a:t>Roleplaying Elements</a:t>
             </a:r>
             <a:endParaRPr lang="en-US" dirty="0"/>
           </a:p>
@@ -9928,53 +10000,45 @@
           <a:p>
             <a:r>
               <a:rPr lang="en-US" dirty="0" smtClean="0"/>
-              <a:t>Buttons</a:t>
-            </a:r>
-          </a:p>
-          <a:p>
-            <a:r>
-              <a:rPr lang="en-US" dirty="0" smtClean="0"/>
-              <a:t>Panels</a:t>
-            </a:r>
-          </a:p>
-          <a:p>
-            <a:r>
-              <a:rPr lang="en-US" dirty="0" smtClean="0"/>
-              <a:t>Menus</a:t>
+              <a:t>What is a roleplaying element?</a:t>
+            </a:r>
+          </a:p>
+          <a:p>
+            <a:r>
+              <a:rPr lang="en-US" dirty="0" smtClean="0"/>
+              <a:t>Stats</a:t>
             </a:r>
           </a:p>
           <a:p>
             <a:pPr lvl="1"/>
             <a:r>
               <a:rPr lang="en-US" dirty="0" smtClean="0"/>
-              <a:t>Start Menu</a:t>
+              <a:t>Player Health</a:t>
             </a:r>
           </a:p>
           <a:p>
             <a:pPr lvl="1"/>
             <a:r>
               <a:rPr lang="en-US" dirty="0" smtClean="0"/>
-              <a:t>Pause Menu</a:t>
-            </a:r>
-          </a:p>
-          <a:p>
-            <a:pPr lvl="1"/>
-            <a:r>
-              <a:rPr lang="en-US" dirty="0" smtClean="0"/>
-              <a:t>End Screen</a:t>
-            </a:r>
-          </a:p>
-          <a:p>
-            <a:pPr lvl="2"/>
-            <a:r>
-              <a:rPr lang="en-US" dirty="0" smtClean="0"/>
-              <a:t>Statistics</a:t>
-            </a:r>
-          </a:p>
-          <a:p>
-            <a:r>
-              <a:rPr lang="en-US" dirty="0" smtClean="0"/>
-              <a:t>GUI</a:t>
+              <a:t>Score</a:t>
+            </a:r>
+          </a:p>
+          <a:p>
+            <a:r>
+              <a:rPr lang="en-US" dirty="0" smtClean="0"/>
+              <a:t>Items</a:t>
+            </a:r>
+          </a:p>
+          <a:p>
+            <a:r>
+              <a:rPr lang="en-US" dirty="0" smtClean="0"/>
+              <a:t>NPC</a:t>
+            </a:r>
+          </a:p>
+          <a:p>
+            <a:r>
+              <a:rPr lang="en-US" dirty="0" smtClean="0"/>
+              <a:t>Balancing and Testing</a:t>
             </a:r>
             <a:endParaRPr lang="en-US" dirty="0"/>
           </a:p>
@@ -9983,7 +10047,7 @@
     </p:spTree>
     <p:extLst>
       <p:ext uri="{BB962C8B-B14F-4D97-AF65-F5344CB8AC3E}">
-        <p14:creationId xmlns:p14="http://schemas.microsoft.com/office/powerpoint/2010/main" val="3601504806"/>
+        <p14:creationId xmlns:p14="http://schemas.microsoft.com/office/powerpoint/2010/main" val="3651004507"/>
       </p:ext>
     </p:extLst>
   </p:cSld>
@@ -10105,7 +10169,7 @@
           <a:p>
             <a:r>
               <a:rPr lang="en-US" dirty="0" smtClean="0"/>
-              <a:t>XML Serialization (Storage)</a:t>
+              <a:t>Interface</a:t>
             </a:r>
             <a:endParaRPr lang="en-US" dirty="0"/>
           </a:p>
@@ -10128,6 +10192,128 @@
           <a:p>
             <a:r>
               <a:rPr lang="en-US" dirty="0" smtClean="0"/>
+              <a:t>Buttons</a:t>
+            </a:r>
+          </a:p>
+          <a:p>
+            <a:r>
+              <a:rPr lang="en-US" dirty="0" smtClean="0"/>
+              <a:t>Panels</a:t>
+            </a:r>
+          </a:p>
+          <a:p>
+            <a:r>
+              <a:rPr lang="en-US" dirty="0" smtClean="0"/>
+              <a:t>Menus</a:t>
+            </a:r>
+          </a:p>
+          <a:p>
+            <a:pPr lvl="1"/>
+            <a:r>
+              <a:rPr lang="en-US" dirty="0" smtClean="0"/>
+              <a:t>Start Menu</a:t>
+            </a:r>
+          </a:p>
+          <a:p>
+            <a:pPr lvl="1"/>
+            <a:r>
+              <a:rPr lang="en-US" dirty="0" smtClean="0"/>
+              <a:t>Pause Menu</a:t>
+            </a:r>
+          </a:p>
+          <a:p>
+            <a:pPr lvl="1"/>
+            <a:r>
+              <a:rPr lang="en-US" dirty="0" smtClean="0"/>
+              <a:t>End Screen</a:t>
+            </a:r>
+          </a:p>
+          <a:p>
+            <a:pPr lvl="2"/>
+            <a:r>
+              <a:rPr lang="en-US" dirty="0" smtClean="0"/>
+              <a:t>Statistics</a:t>
+            </a:r>
+          </a:p>
+          <a:p>
+            <a:r>
+              <a:rPr lang="en-US" dirty="0" smtClean="0"/>
+              <a:t>GUI</a:t>
+            </a:r>
+            <a:endParaRPr lang="en-US" dirty="0"/>
+          </a:p>
+        </p:txBody>
+      </p:sp>
+    </p:spTree>
+    <p:extLst>
+      <p:ext uri="{BB962C8B-B14F-4D97-AF65-F5344CB8AC3E}">
+        <p14:creationId xmlns:p14="http://schemas.microsoft.com/office/powerpoint/2010/main" val="3601504806"/>
+      </p:ext>
+    </p:extLst>
+  </p:cSld>
+  <p:clrMapOvr>
+    <a:masterClrMapping/>
+  </p:clrMapOvr>
+</p:sld>
+</file>
+
+<file path=ppt/slides/slide21.xml><?xml version="1.0" encoding="utf-8"?>
+<p:sld xmlns:a="http://schemas.openxmlformats.org/drawingml/2006/main" xmlns:r="http://schemas.openxmlformats.org/officeDocument/2006/relationships" xmlns:p="http://schemas.openxmlformats.org/presentationml/2006/main">
+  <p:cSld>
+    <p:spTree>
+      <p:nvGrpSpPr>
+        <p:cNvPr id="1" name=""/>
+        <p:cNvGrpSpPr/>
+        <p:nvPr/>
+      </p:nvGrpSpPr>
+      <p:grpSpPr>
+        <a:xfrm>
+          <a:off x="0" y="0"/>
+          <a:ext cx="0" cy="0"/>
+          <a:chOff x="0" y="0"/>
+          <a:chExt cx="0" cy="0"/>
+        </a:xfrm>
+      </p:grpSpPr>
+      <p:sp>
+        <p:nvSpPr>
+          <p:cNvPr id="2" name="Title 1"/>
+          <p:cNvSpPr>
+            <a:spLocks noGrp="1"/>
+          </p:cNvSpPr>
+          <p:nvPr>
+            <p:ph type="title"/>
+          </p:nvPr>
+        </p:nvSpPr>
+        <p:spPr/>
+        <p:txBody>
+          <a:bodyPr/>
+          <a:lstStyle/>
+          <a:p>
+            <a:r>
+              <a:rPr lang="en-US" dirty="0" smtClean="0"/>
+              <a:t>XML Serialization (Storage)</a:t>
+            </a:r>
+            <a:endParaRPr lang="en-US" dirty="0"/>
+          </a:p>
+        </p:txBody>
+      </p:sp>
+      <p:sp>
+        <p:nvSpPr>
+          <p:cNvPr id="3" name="Content Placeholder 2"/>
+          <p:cNvSpPr>
+            <a:spLocks noGrp="1"/>
+          </p:cNvSpPr>
+          <p:nvPr>
+            <p:ph idx="1"/>
+          </p:nvPr>
+        </p:nvSpPr>
+        <p:spPr/>
+        <p:txBody>
+          <a:bodyPr/>
+          <a:lstStyle/>
+          <a:p>
+            <a:r>
+              <a:rPr lang="en-US" dirty="0" smtClean="0"/>
               <a:t>What is it?</a:t>
             </a:r>
           </a:p>
@@ -10140,8 +10326,13 @@
           <a:p>
             <a:r>
               <a:rPr lang="en-US" dirty="0" smtClean="0"/>
-              <a:t>Why do we use it!</a:t>
-            </a:r>
+              <a:t>Why do we use </a:t>
+            </a:r>
+            <a:r>
+              <a:rPr lang="en-US" dirty="0" smtClean="0"/>
+              <a:t>it?</a:t>
+            </a:r>
+            <a:endParaRPr lang="en-US" dirty="0" smtClean="0"/>
           </a:p>
           <a:p>
             <a:endParaRPr lang="en-US" dirty="0"/>
@@ -10161,7 +10352,385 @@
 </p:sld>
 </file>
 
-<file path=ppt/slides/slide21.xml><?xml version="1.0" encoding="utf-8"?>
+<file path=ppt/slides/slide22.xml><?xml version="1.0" encoding="utf-8"?>
+<p:sld xmlns:a="http://schemas.openxmlformats.org/drawingml/2006/main" xmlns:r="http://schemas.openxmlformats.org/officeDocument/2006/relationships" xmlns:p="http://schemas.openxmlformats.org/presentationml/2006/main">
+  <p:cSld>
+    <p:spTree>
+      <p:nvGrpSpPr>
+        <p:cNvPr id="1" name=""/>
+        <p:cNvGrpSpPr/>
+        <p:nvPr/>
+      </p:nvGrpSpPr>
+      <p:grpSpPr>
+        <a:xfrm>
+          <a:off x="0" y="0"/>
+          <a:ext cx="0" cy="0"/>
+          <a:chOff x="0" y="0"/>
+          <a:chExt cx="0" cy="0"/>
+        </a:xfrm>
+      </p:grpSpPr>
+      <p:pic>
+        <p:nvPicPr>
+          <p:cNvPr id="1026" name="Picture 2"/>
+          <p:cNvPicPr>
+            <a:picLocks noChangeAspect="1" noChangeArrowheads="1"/>
+          </p:cNvPicPr>
+          <p:nvPr/>
+        </p:nvPicPr>
+        <p:blipFill>
+          <a:blip r:embed="rId2">
+            <a:extLst>
+              <a:ext uri="{28A0092B-C50C-407E-A947-70E740481C1C}">
+                <a14:useLocalDpi xmlns:a14="http://schemas.microsoft.com/office/drawing/2010/main" val="0"/>
+              </a:ext>
+            </a:extLst>
+          </a:blip>
+          <a:srcRect/>
+          <a:stretch>
+            <a:fillRect/>
+          </a:stretch>
+        </p:blipFill>
+        <p:spPr bwMode="auto">
+          <a:xfrm>
+            <a:off x="310092" y="845080"/>
+            <a:ext cx="5391150" cy="4067175"/>
+          </a:xfrm>
+          <a:prstGeom prst="rect">
+            <a:avLst/>
+          </a:prstGeom>
+          <a:noFill/>
+          <a:ln>
+            <a:noFill/>
+          </a:ln>
+          <a:extLst>
+            <a:ext uri="{909E8E84-426E-40DD-AFC4-6F175D3DCCD1}">
+              <a14:hiddenFill xmlns:a14="http://schemas.microsoft.com/office/drawing/2010/main">
+                <a:solidFill>
+                  <a:schemeClr val="accent1"/>
+                </a:solidFill>
+              </a14:hiddenFill>
+            </a:ext>
+            <a:ext uri="{91240B29-F687-4F45-9708-019B960494DF}">
+              <a14:hiddenLine xmlns:a14="http://schemas.microsoft.com/office/drawing/2010/main" w="9525">
+                <a:solidFill>
+                  <a:schemeClr val="tx1"/>
+                </a:solidFill>
+                <a:miter lim="800000"/>
+                <a:headEnd/>
+                <a:tailEnd/>
+              </a14:hiddenLine>
+            </a:ext>
+          </a:extLst>
+        </p:spPr>
+      </p:pic>
+      <p:pic>
+        <p:nvPicPr>
+          <p:cNvPr id="1027" name="Picture 3"/>
+          <p:cNvPicPr>
+            <a:picLocks noChangeAspect="1" noChangeArrowheads="1"/>
+          </p:cNvPicPr>
+          <p:nvPr/>
+        </p:nvPicPr>
+        <p:blipFill>
+          <a:blip r:embed="rId3">
+            <a:extLst>
+              <a:ext uri="{28A0092B-C50C-407E-A947-70E740481C1C}">
+                <a14:useLocalDpi xmlns:a14="http://schemas.microsoft.com/office/drawing/2010/main" val="0"/>
+              </a:ext>
+            </a:extLst>
+          </a:blip>
+          <a:srcRect/>
+          <a:stretch>
+            <a:fillRect/>
+          </a:stretch>
+        </p:blipFill>
+        <p:spPr bwMode="auto">
+          <a:xfrm>
+            <a:off x="6265474" y="143935"/>
+            <a:ext cx="5298404" cy="5698066"/>
+          </a:xfrm>
+          <a:prstGeom prst="rect">
+            <a:avLst/>
+          </a:prstGeom>
+          <a:noFill/>
+          <a:ln>
+            <a:noFill/>
+          </a:ln>
+          <a:extLst>
+            <a:ext uri="{909E8E84-426E-40DD-AFC4-6F175D3DCCD1}">
+              <a14:hiddenFill xmlns:a14="http://schemas.microsoft.com/office/drawing/2010/main">
+                <a:solidFill>
+                  <a:schemeClr val="accent1"/>
+                </a:solidFill>
+              </a14:hiddenFill>
+            </a:ext>
+            <a:ext uri="{91240B29-F687-4F45-9708-019B960494DF}">
+              <a14:hiddenLine xmlns:a14="http://schemas.microsoft.com/office/drawing/2010/main" w="9525">
+                <a:solidFill>
+                  <a:schemeClr val="tx1"/>
+                </a:solidFill>
+                <a:miter lim="800000"/>
+                <a:headEnd/>
+                <a:tailEnd/>
+              </a14:hiddenLine>
+            </a:ext>
+          </a:extLst>
+        </p:spPr>
+      </p:pic>
+    </p:spTree>
+    <p:extLst>
+      <p:ext uri="{BB962C8B-B14F-4D97-AF65-F5344CB8AC3E}">
+        <p14:creationId xmlns:p14="http://schemas.microsoft.com/office/powerpoint/2010/main" val="2993324307"/>
+      </p:ext>
+    </p:extLst>
+  </p:cSld>
+  <p:clrMapOvr>
+    <a:masterClrMapping/>
+  </p:clrMapOvr>
+</p:sld>
+</file>
+
+<file path=ppt/slides/slide23.xml><?xml version="1.0" encoding="utf-8"?>
+<p:sld xmlns:a="http://schemas.openxmlformats.org/drawingml/2006/main" xmlns:r="http://schemas.openxmlformats.org/officeDocument/2006/relationships" xmlns:p="http://schemas.openxmlformats.org/presentationml/2006/main">
+  <p:cSld>
+    <p:spTree>
+      <p:nvGrpSpPr>
+        <p:cNvPr id="1" name=""/>
+        <p:cNvGrpSpPr/>
+        <p:nvPr/>
+      </p:nvGrpSpPr>
+      <p:grpSpPr>
+        <a:xfrm>
+          <a:off x="0" y="0"/>
+          <a:ext cx="0" cy="0"/>
+          <a:chOff x="0" y="0"/>
+          <a:chExt cx="0" cy="0"/>
+        </a:xfrm>
+      </p:grpSpPr>
+      <p:pic>
+        <p:nvPicPr>
+          <p:cNvPr id="2051" name="Picture 3"/>
+          <p:cNvPicPr>
+            <a:picLocks noChangeAspect="1" noChangeArrowheads="1"/>
+          </p:cNvPicPr>
+          <p:nvPr/>
+        </p:nvPicPr>
+        <p:blipFill>
+          <a:blip r:embed="rId2">
+            <a:extLst>
+              <a:ext uri="{28A0092B-C50C-407E-A947-70E740481C1C}">
+                <a14:useLocalDpi xmlns:a14="http://schemas.microsoft.com/office/drawing/2010/main" val="0"/>
+              </a:ext>
+            </a:extLst>
+          </a:blip>
+          <a:srcRect/>
+          <a:stretch>
+            <a:fillRect/>
+          </a:stretch>
+        </p:blipFill>
+        <p:spPr bwMode="auto">
+          <a:xfrm>
+            <a:off x="5655734" y="297246"/>
+            <a:ext cx="6088063" cy="5908821"/>
+          </a:xfrm>
+          <a:prstGeom prst="rect">
+            <a:avLst/>
+          </a:prstGeom>
+          <a:noFill/>
+          <a:ln>
+            <a:noFill/>
+          </a:ln>
+          <a:extLst>
+            <a:ext uri="{909E8E84-426E-40DD-AFC4-6F175D3DCCD1}">
+              <a14:hiddenFill xmlns:a14="http://schemas.microsoft.com/office/drawing/2010/main">
+                <a:solidFill>
+                  <a:schemeClr val="accent1"/>
+                </a:solidFill>
+              </a14:hiddenFill>
+            </a:ext>
+            <a:ext uri="{91240B29-F687-4F45-9708-019B960494DF}">
+              <a14:hiddenLine xmlns:a14="http://schemas.microsoft.com/office/drawing/2010/main" w="9525">
+                <a:solidFill>
+                  <a:schemeClr val="tx1"/>
+                </a:solidFill>
+                <a:miter lim="800000"/>
+                <a:headEnd/>
+                <a:tailEnd/>
+              </a14:hiddenLine>
+            </a:ext>
+          </a:extLst>
+        </p:spPr>
+      </p:pic>
+      <p:pic>
+        <p:nvPicPr>
+          <p:cNvPr id="2053" name="Picture 5"/>
+          <p:cNvPicPr>
+            <a:picLocks noChangeAspect="1" noChangeArrowheads="1"/>
+          </p:cNvPicPr>
+          <p:nvPr/>
+        </p:nvPicPr>
+        <p:blipFill>
+          <a:blip r:embed="rId3">
+            <a:extLst>
+              <a:ext uri="{28A0092B-C50C-407E-A947-70E740481C1C}">
+                <a14:useLocalDpi xmlns:a14="http://schemas.microsoft.com/office/drawing/2010/main" val="0"/>
+              </a:ext>
+            </a:extLst>
+          </a:blip>
+          <a:srcRect/>
+          <a:stretch>
+            <a:fillRect/>
+          </a:stretch>
+        </p:blipFill>
+        <p:spPr bwMode="auto">
+          <a:xfrm>
+            <a:off x="410634" y="1915774"/>
+            <a:ext cx="4827485" cy="2671763"/>
+          </a:xfrm>
+          <a:prstGeom prst="rect">
+            <a:avLst/>
+          </a:prstGeom>
+          <a:noFill/>
+          <a:ln>
+            <a:noFill/>
+          </a:ln>
+          <a:extLst>
+            <a:ext uri="{909E8E84-426E-40DD-AFC4-6F175D3DCCD1}">
+              <a14:hiddenFill xmlns:a14="http://schemas.microsoft.com/office/drawing/2010/main">
+                <a:solidFill>
+                  <a:schemeClr val="accent1"/>
+                </a:solidFill>
+              </a14:hiddenFill>
+            </a:ext>
+            <a:ext uri="{91240B29-F687-4F45-9708-019B960494DF}">
+              <a14:hiddenLine xmlns:a14="http://schemas.microsoft.com/office/drawing/2010/main" w="9525">
+                <a:solidFill>
+                  <a:schemeClr val="tx1"/>
+                </a:solidFill>
+                <a:miter lim="800000"/>
+                <a:headEnd/>
+                <a:tailEnd/>
+              </a14:hiddenLine>
+            </a:ext>
+          </a:extLst>
+        </p:spPr>
+      </p:pic>
+    </p:spTree>
+    <p:extLst>
+      <p:ext uri="{BB962C8B-B14F-4D97-AF65-F5344CB8AC3E}">
+        <p14:creationId xmlns:p14="http://schemas.microsoft.com/office/powerpoint/2010/main" val="3763594536"/>
+      </p:ext>
+    </p:extLst>
+  </p:cSld>
+  <p:clrMapOvr>
+    <a:masterClrMapping/>
+  </p:clrMapOvr>
+</p:sld>
+</file>
+
+<file path=ppt/slides/slide24.xml><?xml version="1.0" encoding="utf-8"?>
+<p:sld xmlns:a="http://schemas.openxmlformats.org/drawingml/2006/main" xmlns:r="http://schemas.openxmlformats.org/officeDocument/2006/relationships" xmlns:p="http://schemas.openxmlformats.org/presentationml/2006/main">
+  <p:cSld>
+    <p:spTree>
+      <p:nvGrpSpPr>
+        <p:cNvPr id="1" name=""/>
+        <p:cNvGrpSpPr/>
+        <p:nvPr/>
+      </p:nvGrpSpPr>
+      <p:grpSpPr>
+        <a:xfrm>
+          <a:off x="0" y="0"/>
+          <a:ext cx="0" cy="0"/>
+          <a:chOff x="0" y="0"/>
+          <a:chExt cx="0" cy="0"/>
+        </a:xfrm>
+      </p:grpSpPr>
+      <p:sp>
+        <p:nvSpPr>
+          <p:cNvPr id="2" name="Title 1"/>
+          <p:cNvSpPr>
+            <a:spLocks noGrp="1"/>
+          </p:cNvSpPr>
+          <p:nvPr>
+            <p:ph type="title"/>
+          </p:nvPr>
+        </p:nvSpPr>
+        <p:spPr/>
+        <p:txBody>
+          <a:bodyPr/>
+          <a:lstStyle/>
+          <a:p>
+            <a:r>
+              <a:rPr lang="en-US" dirty="0" smtClean="0"/>
+              <a:t>Why use it?		</a:t>
+            </a:r>
+            <a:endParaRPr lang="en-US" dirty="0"/>
+          </a:p>
+        </p:txBody>
+      </p:sp>
+      <p:sp>
+        <p:nvSpPr>
+          <p:cNvPr id="3" name="Content Placeholder 2"/>
+          <p:cNvSpPr>
+            <a:spLocks noGrp="1"/>
+          </p:cNvSpPr>
+          <p:nvPr>
+            <p:ph idx="1"/>
+          </p:nvPr>
+        </p:nvSpPr>
+        <p:spPr/>
+        <p:txBody>
+          <a:bodyPr/>
+          <a:lstStyle/>
+          <a:p>
+            <a:r>
+              <a:rPr lang="en-US" dirty="0" smtClean="0"/>
+              <a:t>Volatile Vs. non-volatile memory</a:t>
+            </a:r>
+          </a:p>
+          <a:p>
+            <a:pPr lvl="1"/>
+            <a:r>
+              <a:rPr lang="en-US" dirty="0" smtClean="0"/>
+              <a:t>Save game state</a:t>
+            </a:r>
+          </a:p>
+          <a:p>
+            <a:r>
+              <a:rPr lang="en-US" dirty="0" smtClean="0"/>
+              <a:t>Reduce memory consumption</a:t>
+            </a:r>
+          </a:p>
+          <a:p>
+            <a:r>
+              <a:rPr lang="en-US" dirty="0" smtClean="0"/>
+              <a:t>More efficient game</a:t>
+            </a:r>
+          </a:p>
+          <a:p>
+            <a:pPr lvl="1"/>
+            <a:r>
+              <a:rPr lang="en-US" dirty="0" smtClean="0"/>
+              <a:t>Less objects to manage</a:t>
+            </a:r>
+            <a:endParaRPr lang="en-US" dirty="0"/>
+          </a:p>
+        </p:txBody>
+      </p:sp>
+    </p:spTree>
+    <p:extLst>
+      <p:ext uri="{BB962C8B-B14F-4D97-AF65-F5344CB8AC3E}">
+        <p14:creationId xmlns:p14="http://schemas.microsoft.com/office/powerpoint/2010/main" val="2664247423"/>
+      </p:ext>
+    </p:extLst>
+  </p:cSld>
+  <p:clrMapOvr>
+    <a:masterClrMapping/>
+  </p:clrMapOvr>
+</p:sld>
+</file>
+
+<file path=ppt/slides/slide25.xml><?xml version="1.0" encoding="utf-8"?>
 <p:sld xmlns:a="http://schemas.openxmlformats.org/drawingml/2006/main" xmlns:r="http://schemas.openxmlformats.org/officeDocument/2006/relationships" xmlns:p="http://schemas.openxmlformats.org/presentationml/2006/main">
   <p:cSld>
     <p:spTree>
@@ -10556,35 +11125,11 @@
           <a:p>
             <a:r>
               <a:rPr lang="en-US" dirty="0" smtClean="0"/>
-              <a:t>What tools we are using.</a:t>
-            </a:r>
-          </a:p>
-          <a:p>
-            <a:pPr lvl="1"/>
-            <a:r>
-              <a:rPr lang="en-US" dirty="0" smtClean="0"/>
-              <a:t>Visual Studio</a:t>
-            </a:r>
-          </a:p>
-          <a:p>
-            <a:pPr lvl="1"/>
-            <a:r>
-              <a:rPr lang="en-US" dirty="0" smtClean="0"/>
-              <a:t>C#</a:t>
-            </a:r>
-          </a:p>
-          <a:p>
-            <a:pPr lvl="1"/>
-            <a:r>
-              <a:rPr lang="en-US" dirty="0" smtClean="0"/>
-              <a:t>XNA</a:t>
-            </a:r>
-          </a:p>
-          <a:p>
-            <a:pPr lvl="1"/>
-            <a:r>
-              <a:rPr lang="en-US" dirty="0" smtClean="0"/>
-              <a:t>For windows based systems pre windows 8</a:t>
+              <a:t>For </a:t>
+            </a:r>
+            <a:r>
+              <a:rPr lang="en-US" dirty="0" smtClean="0"/>
+              <a:t>windows based systems pre windows 8</a:t>
             </a:r>
           </a:p>
           <a:p>
@@ -10611,6 +11156,13 @@
   <p:clrMapOvr>
     <a:masterClrMapping/>
   </p:clrMapOvr>
+  <p:timing>
+    <p:tnLst>
+      <p:par>
+        <p:cTn id="1" dur="indefinite" restart="never" nodeType="tmRoot"/>
+      </p:par>
+    </p:tnLst>
+  </p:timing>
 </p:sld>
 </file>
 
@@ -10648,7 +11200,7 @@
           <a:p>
             <a:r>
               <a:rPr lang="en-US" dirty="0" smtClean="0"/>
-              <a:t>Tile Engine Overview</a:t>
+              <a:t>Tools</a:t>
             </a:r>
             <a:endParaRPr lang="en-US" dirty="0"/>
           </a:p>
@@ -10671,19 +11223,39 @@
           <a:p>
             <a:r>
               <a:rPr lang="en-US" dirty="0" smtClean="0"/>
-              <a:t>What is a Tile Engine?</a:t>
-            </a:r>
-          </a:p>
-          <a:p>
-            <a:r>
-              <a:rPr lang="en-US" dirty="0" smtClean="0"/>
-              <a:t>How does it work?</a:t>
-            </a:r>
-          </a:p>
-          <a:p>
-            <a:r>
-              <a:rPr lang="en-US" dirty="0" smtClean="0"/>
-              <a:t>Why did we choose to use it.</a:t>
+              <a:t>Visual studio </a:t>
+            </a:r>
+          </a:p>
+          <a:p>
+            <a:r>
+              <a:rPr lang="en-US" dirty="0" smtClean="0"/>
+              <a:t>C# and XNA</a:t>
+            </a:r>
+          </a:p>
+          <a:p>
+            <a:r>
+              <a:rPr lang="en-US" dirty="0" err="1" smtClean="0"/>
+              <a:t>Github</a:t>
+            </a:r>
+            <a:r>
+              <a:rPr lang="en-US" dirty="0" smtClean="0"/>
+              <a:t> – source control</a:t>
+            </a:r>
+          </a:p>
+          <a:p>
+            <a:pPr lvl="1"/>
+            <a:r>
+              <a:rPr lang="en-US" dirty="0" smtClean="0">
+                <a:hlinkClick r:id="rId3"/>
+              </a:rPr>
+              <a:t>https://github.com/bullsfan127/AU_Capstone</a:t>
+            </a:r>
+            <a:endParaRPr lang="en-US" dirty="0" smtClean="0"/>
+          </a:p>
+          <a:p>
+            <a:r>
+              <a:rPr lang="en-US" dirty="0" err="1" smtClean="0"/>
+              <a:t>Dropbox</a:t>
             </a:r>
             <a:endParaRPr lang="en-US" dirty="0"/>
           </a:p>
@@ -10692,13 +11264,20 @@
     </p:spTree>
     <p:extLst>
       <p:ext uri="{BB962C8B-B14F-4D97-AF65-F5344CB8AC3E}">
-        <p14:creationId xmlns:p14="http://schemas.microsoft.com/office/powerpoint/2010/main" val="2072815644"/>
+        <p14:creationId xmlns:p14="http://schemas.microsoft.com/office/powerpoint/2010/main" val="3671731144"/>
       </p:ext>
     </p:extLst>
   </p:cSld>
   <p:clrMapOvr>
     <a:masterClrMapping/>
   </p:clrMapOvr>
+  <p:timing>
+    <p:tnLst>
+      <p:par>
+        <p:cTn id="1" dur="indefinite" restart="never" nodeType="tmRoot"/>
+      </p:par>
+    </p:tnLst>
+  </p:timing>
 </p:sld>
 </file>
 
@@ -10736,7 +11315,7 @@
           <a:p>
             <a:r>
               <a:rPr lang="en-US" dirty="0" smtClean="0"/>
-              <a:t>What is a Tile Engine</a:t>
+              <a:t>Tile Engine Overview</a:t>
             </a:r>
             <a:endParaRPr lang="en-US" dirty="0"/>
           </a:p>
@@ -10759,34 +11338,20 @@
           <a:p>
             <a:r>
               <a:rPr lang="en-US" dirty="0" smtClean="0"/>
-              <a:t>2D rendering technique</a:t>
-            </a:r>
-          </a:p>
-          <a:p>
-            <a:pPr lvl="1"/>
-            <a:r>
-              <a:rPr lang="en-US" dirty="0" smtClean="0"/>
-              <a:t>64 x 64 pixel Tiles</a:t>
-            </a:r>
-          </a:p>
-          <a:p>
-            <a:pPr lvl="1"/>
-            <a:r>
-              <a:rPr lang="en-US" dirty="0" smtClean="0"/>
-              <a:t>Map size is restrained to 100,100</a:t>
-            </a:r>
-          </a:p>
-          <a:p>
-            <a:r>
-              <a:rPr lang="en-US" dirty="0" smtClean="0"/>
-              <a:t>Multiple Layers</a:t>
-            </a:r>
-          </a:p>
-          <a:p>
-            <a:endParaRPr lang="en-US" dirty="0" smtClean="0"/>
-          </a:p>
-          <a:p>
-            <a:pPr lvl="1"/>
+              <a:t>What is a Tile Engine?</a:t>
+            </a:r>
+          </a:p>
+          <a:p>
+            <a:r>
+              <a:rPr lang="en-US" dirty="0" smtClean="0"/>
+              <a:t>How does it work?</a:t>
+            </a:r>
+          </a:p>
+          <a:p>
+            <a:r>
+              <a:rPr lang="en-US" dirty="0" smtClean="0"/>
+              <a:t>Why did we choose to use it.</a:t>
+            </a:r>
             <a:endParaRPr lang="en-US" dirty="0"/>
           </a:p>
         </p:txBody>
@@ -10794,13 +11359,20 @@
     </p:spTree>
     <p:extLst>
       <p:ext uri="{BB962C8B-B14F-4D97-AF65-F5344CB8AC3E}">
-        <p14:creationId xmlns:p14="http://schemas.microsoft.com/office/powerpoint/2010/main" val="3163842337"/>
+        <p14:creationId xmlns:p14="http://schemas.microsoft.com/office/powerpoint/2010/main" val="2072815644"/>
       </p:ext>
     </p:extLst>
   </p:cSld>
   <p:clrMapOvr>
     <a:masterClrMapping/>
   </p:clrMapOvr>
+  <p:timing>
+    <p:tnLst>
+      <p:par>
+        <p:cTn id="1" dur="indefinite" restart="never" nodeType="tmRoot"/>
+      </p:par>
+    </p:tnLst>
+  </p:timing>
 </p:sld>
 </file>
 
@@ -10838,7 +11410,7 @@
           <a:p>
             <a:r>
               <a:rPr lang="en-US" dirty="0" smtClean="0"/>
-              <a:t>How it works</a:t>
+              <a:t>What is a Tile Engine</a:t>
             </a:r>
             <a:endParaRPr lang="en-US" dirty="0"/>
           </a:p>
@@ -10861,28 +11433,34 @@
           <a:p>
             <a:r>
               <a:rPr lang="en-US" dirty="0" smtClean="0"/>
-              <a:t>Pulls many small images from one large image</a:t>
-            </a:r>
-          </a:p>
-          <a:p>
-            <a:r>
-              <a:rPr lang="en-US" dirty="0" smtClean="0"/>
-              <a:t>Lays specific “Tiles” on top of each other</a:t>
-            </a:r>
-          </a:p>
-          <a:p>
-            <a:r>
-              <a:rPr lang="en-US" dirty="0" smtClean="0"/>
-              <a:t>Uses nested for loops</a:t>
-            </a:r>
-          </a:p>
-          <a:p>
-            <a:r>
-              <a:rPr lang="en-US" dirty="0" smtClean="0"/>
-              <a:t>Shift view port based on player position</a:t>
-            </a:r>
-          </a:p>
-          <a:p>
+              <a:t>2D rendering technique</a:t>
+            </a:r>
+          </a:p>
+          <a:p>
+            <a:pPr lvl="1"/>
+            <a:r>
+              <a:rPr lang="en-US" dirty="0" smtClean="0"/>
+              <a:t>64 x 64 pixel Tiles</a:t>
+            </a:r>
+          </a:p>
+          <a:p>
+            <a:pPr lvl="1"/>
+            <a:r>
+              <a:rPr lang="en-US" dirty="0" smtClean="0"/>
+              <a:t>Map size is restrained to 100,100</a:t>
+            </a:r>
+          </a:p>
+          <a:p>
+            <a:r>
+              <a:rPr lang="en-US" dirty="0" smtClean="0"/>
+              <a:t>Multiple Layers</a:t>
+            </a:r>
+          </a:p>
+          <a:p>
+            <a:endParaRPr lang="en-US" dirty="0" smtClean="0"/>
+          </a:p>
+          <a:p>
+            <a:pPr lvl="1"/>
             <a:endParaRPr lang="en-US" dirty="0"/>
           </a:p>
         </p:txBody>
@@ -10890,13 +11468,20 @@
     </p:spTree>
     <p:extLst>
       <p:ext uri="{BB962C8B-B14F-4D97-AF65-F5344CB8AC3E}">
-        <p14:creationId xmlns:p14="http://schemas.microsoft.com/office/powerpoint/2010/main" val="3080879730"/>
+        <p14:creationId xmlns:p14="http://schemas.microsoft.com/office/powerpoint/2010/main" val="3163842337"/>
       </p:ext>
     </p:extLst>
   </p:cSld>
   <p:clrMapOvr>
     <a:masterClrMapping/>
   </p:clrMapOvr>
+  <p:timing>
+    <p:tnLst>
+      <p:par>
+        <p:cTn id="1" dur="indefinite" restart="never" nodeType="tmRoot"/>
+      </p:par>
+    </p:tnLst>
+  </p:timing>
 </p:sld>
 </file>
 
@@ -10934,7 +11519,7 @@
           <a:p>
             <a:r>
               <a:rPr lang="en-US" dirty="0" smtClean="0"/>
-              <a:t>Why Did we Choose it</a:t>
+              <a:t>How it works</a:t>
             </a:r>
             <a:endParaRPr lang="en-US" dirty="0"/>
           </a:p>
@@ -10957,38 +11542,28 @@
           <a:p>
             <a:r>
               <a:rPr lang="en-US" dirty="0" smtClean="0"/>
-              <a:t>Easily Implemented</a:t>
-            </a:r>
-          </a:p>
-          <a:p>
-            <a:r>
-              <a:rPr lang="en-US" dirty="0" smtClean="0"/>
-              <a:t>Quick</a:t>
-            </a:r>
-          </a:p>
-          <a:p>
-            <a:r>
-              <a:rPr lang="en-US" dirty="0" smtClean="0"/>
-              <a:t>Detail oriented</a:t>
-            </a:r>
-          </a:p>
-          <a:p>
-            <a:r>
-              <a:rPr lang="en-US" dirty="0" smtClean="0"/>
-              <a:t>Quickly prototyped</a:t>
-            </a:r>
-          </a:p>
-          <a:p>
-            <a:r>
-              <a:rPr lang="en-US" dirty="0" smtClean="0"/>
-              <a:t>Flexible</a:t>
-            </a:r>
-          </a:p>
-          <a:p>
-            <a:r>
-              <a:rPr lang="en-US" dirty="0" smtClean="0"/>
-              <a:t>Reusable</a:t>
-            </a:r>
+              <a:t>Pulls many small images from one large image</a:t>
+            </a:r>
+          </a:p>
+          <a:p>
+            <a:r>
+              <a:rPr lang="en-US" dirty="0" smtClean="0"/>
+              <a:t>Lays specific “Tiles” on top of each other</a:t>
+            </a:r>
+          </a:p>
+          <a:p>
+            <a:r>
+              <a:rPr lang="en-US" dirty="0" smtClean="0"/>
+              <a:t>Uses nested for loops</a:t>
+            </a:r>
+          </a:p>
+          <a:p>
+            <a:r>
+              <a:rPr lang="en-US" dirty="0" smtClean="0"/>
+              <a:t>Shift view port based on player position</a:t>
+            </a:r>
+          </a:p>
+          <a:p>
             <a:endParaRPr lang="en-US" dirty="0"/>
           </a:p>
         </p:txBody>
@@ -10996,13 +11571,20 @@
     </p:spTree>
     <p:extLst>
       <p:ext uri="{BB962C8B-B14F-4D97-AF65-F5344CB8AC3E}">
-        <p14:creationId xmlns:p14="http://schemas.microsoft.com/office/powerpoint/2010/main" val="4289900525"/>
+        <p14:creationId xmlns:p14="http://schemas.microsoft.com/office/powerpoint/2010/main" val="3080879730"/>
       </p:ext>
     </p:extLst>
   </p:cSld>
   <p:clrMapOvr>
     <a:masterClrMapping/>
   </p:clrMapOvr>
+  <p:timing>
+    <p:tnLst>
+      <p:par>
+        <p:cTn id="1" dur="indefinite" restart="never" nodeType="tmRoot"/>
+      </p:par>
+    </p:tnLst>
+  </p:timing>
 </p:sld>
 </file>
 
@@ -11040,7 +11622,7 @@
           <a:p>
             <a:r>
               <a:rPr lang="en-US" dirty="0" smtClean="0"/>
-              <a:t>Physics Overview</a:t>
+              <a:t>Why Did we Choose it</a:t>
             </a:r>
             <a:endParaRPr lang="en-US" dirty="0"/>
           </a:p>
@@ -11063,25 +11645,37 @@
           <a:p>
             <a:r>
               <a:rPr lang="en-US" dirty="0" smtClean="0"/>
-              <a:t>Player Physics</a:t>
-            </a:r>
-          </a:p>
-          <a:p>
-            <a:r>
-              <a:rPr lang="en-US" dirty="0" smtClean="0"/>
-              <a:t>Platform Physics</a:t>
-            </a:r>
-          </a:p>
-          <a:p>
-            <a:r>
-              <a:rPr lang="en-US" dirty="0" smtClean="0"/>
-              <a:t>NPC Physics</a:t>
-            </a:r>
-          </a:p>
-          <a:p>
-            <a:r>
-              <a:rPr lang="en-US" dirty="0" smtClean="0"/>
-              <a:t>Object Physics</a:t>
+              <a:t>Easily Implemented</a:t>
+            </a:r>
+          </a:p>
+          <a:p>
+            <a:r>
+              <a:rPr lang="en-US" dirty="0" smtClean="0"/>
+              <a:t>Quick</a:t>
+            </a:r>
+          </a:p>
+          <a:p>
+            <a:r>
+              <a:rPr lang="en-US" dirty="0" smtClean="0"/>
+              <a:t>Detail oriented</a:t>
+            </a:r>
+          </a:p>
+          <a:p>
+            <a:r>
+              <a:rPr lang="en-US" dirty="0" smtClean="0"/>
+              <a:t>Quickly prototyped</a:t>
+            </a:r>
+          </a:p>
+          <a:p>
+            <a:r>
+              <a:rPr lang="en-US" dirty="0" smtClean="0"/>
+              <a:t>Flexible</a:t>
+            </a:r>
+          </a:p>
+          <a:p>
+            <a:r>
+              <a:rPr lang="en-US" dirty="0" smtClean="0"/>
+              <a:t>Reusable</a:t>
             </a:r>
             <a:endParaRPr lang="en-US" dirty="0"/>
           </a:p>
@@ -11090,7 +11684,7 @@
     </p:spTree>
     <p:extLst>
       <p:ext uri="{BB962C8B-B14F-4D97-AF65-F5344CB8AC3E}">
-        <p14:creationId xmlns:p14="http://schemas.microsoft.com/office/powerpoint/2010/main" val="4128624035"/>
+        <p14:creationId xmlns:p14="http://schemas.microsoft.com/office/powerpoint/2010/main" val="4289900525"/>
       </p:ext>
     </p:extLst>
   </p:cSld>
@@ -11143,12 +11737,12 @@
     </a:clrScheme>
     <a:fontScheme name="Slice HD-RCD">
       <a:majorFont>
-        <a:latin typeface="Century Gothic" panose="020B0502020202020204"/>
+        <a:latin typeface="Century Gothic"/>
         <a:ea typeface=""/>
         <a:cs typeface=""/>
       </a:majorFont>
       <a:minorFont>
-        <a:latin typeface="Century Gothic" panose="020B0502020202020204"/>
+        <a:latin typeface="Century Gothic"/>
         <a:ea typeface=""/>
         <a:cs typeface=""/>
       </a:minorFont>
@@ -11310,7 +11904,7 @@
   <a:extraClrSchemeLst/>
   <a:extLst>
     <a:ext uri="{05A4C25C-085E-4340-85A3-A5531E510DB2}">
-      <thm15:themeFamily xmlns:thm15="http://schemas.microsoft.com/office/thememl/2012/main" name="Slice" id="{0507925B-6AC9-4358-8E18-C330545D08F8}" vid="{CA80A920-635C-431F-BAC2-D90A9BBC64BA}"/>
+      <thm15:themeFamily xmlns:thm15="http://schemas.microsoft.com/office/thememl/2012/main" xmlns="" name="Slice" id="{0507925B-6AC9-4358-8E18-C330545D08F8}" vid="{CA80A920-635C-431F-BAC2-D90A9BBC64BA}"/>
     </a:ext>
   </a:extLst>
 </a:theme>
@@ -11359,7 +11953,7 @@
     </a:clrScheme>
     <a:fontScheme name="Office">
       <a:majorFont>
-        <a:latin typeface="Calibri Light" panose="020F0302020204030204"/>
+        <a:latin typeface="Calibri Light"/>
         <a:ea typeface=""/>
         <a:cs typeface=""/>
         <a:font script="Jpan" typeface="ＭＳ ゴシック"/>
@@ -11394,7 +11988,7 @@
         <a:font script="Geor" typeface="Sylfaen"/>
       </a:majorFont>
       <a:minorFont>
-        <a:latin typeface="Calibri" panose="020F0502020204030204"/>
+        <a:latin typeface="Calibri"/>
         <a:ea typeface=""/>
         <a:cs typeface=""/>
         <a:font script="Jpan" typeface="ＭＳ ゴシック"/>
@@ -11571,7 +12165,7 @@
   <a:extraClrSchemeLst/>
   <a:extLst>
     <a:ext uri="{05A4C25C-085E-4340-85A3-A5531E510DB2}">
-      <thm15:themeFamily xmlns:thm15="http://schemas.microsoft.com/office/thememl/2012/main" name="Office Theme" id="{62F939B6-93AF-4DB8-9C6B-D6C7DFDC589F}" vid="{4A3C46E8-61CC-4603-A589-7422A47A8E4A}"/>
+      <thm15:themeFamily xmlns:thm15="http://schemas.microsoft.com/office/thememl/2012/main" xmlns="" name="Office Theme" id="{62F939B6-93AF-4DB8-9C6B-D6C7DFDC589F}" vid="{4A3C46E8-61CC-4603-A589-7422A47A8E4A}"/>
     </a:ext>
   </a:extLst>
 </a:theme>
